--- a/VLSI design 설계 실습/2025-06-13.pptx
+++ b/VLSI design 설계 실습/2025-06-13.pptx
@@ -6,11 +6,14 @@
   </p:sldMasterIdLst>
   <p:sldIdLst>
     <p:sldId id="256" r:id="rId2"/>
-    <p:sldId id="257" r:id="rId3"/>
-    <p:sldId id="258" r:id="rId4"/>
-    <p:sldId id="259" r:id="rId5"/>
-    <p:sldId id="260" r:id="rId6"/>
-    <p:sldId id="261" r:id="rId7"/>
+    <p:sldId id="262" r:id="rId3"/>
+    <p:sldId id="263" r:id="rId4"/>
+    <p:sldId id="264" r:id="rId5"/>
+    <p:sldId id="257" r:id="rId6"/>
+    <p:sldId id="258" r:id="rId7"/>
+    <p:sldId id="259" r:id="rId8"/>
+    <p:sldId id="260" r:id="rId9"/>
+    <p:sldId id="261" r:id="rId10"/>
   </p:sldIdLst>
   <p:sldSz cx="12192000" cy="6858000"/>
   <p:notesSz cx="6858000" cy="9144000"/>
@@ -109,6 +112,11 @@
       </a:defRPr>
     </a:lvl9pPr>
   </p:defaultTextStyle>
+  <p:extLst>
+    <p:ext uri="{EFAFB233-063F-42B5-8137-9DF3F51BA10A}">
+      <p15:sldGuideLst xmlns:p15="http://schemas.microsoft.com/office/powerpoint/2012/main"/>
+    </p:ext>
+  </p:extLst>
 </p:presentation>
 </file>
 
@@ -154,10 +162,9 @@
           </a:lstStyle>
           <a:p>
             <a:r>
-              <a:rPr lang="ko-KR" altLang="en-US" smtClean="0"/>
+              <a:rPr lang="ko-KR" altLang="en-US"/>
               <a:t>마스터 제목 스타일 편집</a:t>
             </a:r>
-            <a:endParaRPr lang="ko-KR" altLang="en-US"/>
           </a:p>
         </p:txBody>
       </p:sp>
@@ -219,10 +226,9 @@
           </a:lstStyle>
           <a:p>
             <a:r>
-              <a:rPr lang="ko-KR" altLang="en-US" smtClean="0"/>
+              <a:rPr lang="ko-KR" altLang="en-US"/>
               <a:t>클릭하여 마스터 부제목 스타일 편집</a:t>
             </a:r>
-            <a:endParaRPr lang="ko-KR" altLang="en-US"/>
           </a:p>
         </p:txBody>
       </p:sp>
@@ -243,7 +249,7 @@
           <a:p>
             <a:fld id="{088498B5-61CB-4D33-9D13-11B461C68DAA}" type="datetimeFigureOut">
               <a:rPr lang="ko-KR" altLang="en-US" smtClean="0"/>
-              <a:t>2025-06-13</a:t>
+              <a:t>2025-06-15</a:t>
             </a:fld>
             <a:endParaRPr lang="ko-KR" altLang="en-US"/>
           </a:p>
@@ -337,10 +343,9 @@
           <a:lstStyle/>
           <a:p>
             <a:r>
-              <a:rPr lang="ko-KR" altLang="en-US" smtClean="0"/>
+              <a:rPr lang="ko-KR" altLang="en-US"/>
               <a:t>마스터 제목 스타일 편집</a:t>
             </a:r>
-            <a:endParaRPr lang="ko-KR" altLang="en-US"/>
           </a:p>
         </p:txBody>
       </p:sp>
@@ -361,38 +366,37 @@
           <a:p>
             <a:pPr lvl="0"/>
             <a:r>
-              <a:rPr lang="ko-KR" altLang="en-US" smtClean="0"/>
+              <a:rPr lang="ko-KR" altLang="en-US"/>
               <a:t>마스터 텍스트 스타일 편집</a:t>
             </a:r>
           </a:p>
           <a:p>
             <a:pPr lvl="1"/>
             <a:r>
-              <a:rPr lang="ko-KR" altLang="en-US" smtClean="0"/>
+              <a:rPr lang="ko-KR" altLang="en-US"/>
               <a:t>둘째 수준</a:t>
             </a:r>
           </a:p>
           <a:p>
             <a:pPr lvl="2"/>
             <a:r>
-              <a:rPr lang="ko-KR" altLang="en-US" smtClean="0"/>
+              <a:rPr lang="ko-KR" altLang="en-US"/>
               <a:t>셋째 수준</a:t>
             </a:r>
           </a:p>
           <a:p>
             <a:pPr lvl="3"/>
             <a:r>
-              <a:rPr lang="ko-KR" altLang="en-US" smtClean="0"/>
+              <a:rPr lang="ko-KR" altLang="en-US"/>
               <a:t>넷째 수준</a:t>
             </a:r>
           </a:p>
           <a:p>
             <a:pPr lvl="4"/>
             <a:r>
-              <a:rPr lang="ko-KR" altLang="en-US" smtClean="0"/>
+              <a:rPr lang="ko-KR" altLang="en-US"/>
               <a:t>다섯째 수준</a:t>
             </a:r>
-            <a:endParaRPr lang="ko-KR" altLang="en-US"/>
           </a:p>
         </p:txBody>
       </p:sp>
@@ -413,7 +417,7 @@
           <a:p>
             <a:fld id="{088498B5-61CB-4D33-9D13-11B461C68DAA}" type="datetimeFigureOut">
               <a:rPr lang="ko-KR" altLang="en-US" smtClean="0"/>
-              <a:t>2025-06-13</a:t>
+              <a:t>2025-06-15</a:t>
             </a:fld>
             <a:endParaRPr lang="ko-KR" altLang="en-US"/>
           </a:p>
@@ -512,10 +516,9 @@
           <a:lstStyle/>
           <a:p>
             <a:r>
-              <a:rPr lang="ko-KR" altLang="en-US" smtClean="0"/>
+              <a:rPr lang="ko-KR" altLang="en-US"/>
               <a:t>마스터 제목 스타일 편집</a:t>
             </a:r>
-            <a:endParaRPr lang="ko-KR" altLang="en-US"/>
           </a:p>
         </p:txBody>
       </p:sp>
@@ -541,38 +544,37 @@
           <a:p>
             <a:pPr lvl="0"/>
             <a:r>
-              <a:rPr lang="ko-KR" altLang="en-US" smtClean="0"/>
+              <a:rPr lang="ko-KR" altLang="en-US"/>
               <a:t>마스터 텍스트 스타일 편집</a:t>
             </a:r>
           </a:p>
           <a:p>
             <a:pPr lvl="1"/>
             <a:r>
-              <a:rPr lang="ko-KR" altLang="en-US" smtClean="0"/>
+              <a:rPr lang="ko-KR" altLang="en-US"/>
               <a:t>둘째 수준</a:t>
             </a:r>
           </a:p>
           <a:p>
             <a:pPr lvl="2"/>
             <a:r>
-              <a:rPr lang="ko-KR" altLang="en-US" smtClean="0"/>
+              <a:rPr lang="ko-KR" altLang="en-US"/>
               <a:t>셋째 수준</a:t>
             </a:r>
           </a:p>
           <a:p>
             <a:pPr lvl="3"/>
             <a:r>
-              <a:rPr lang="ko-KR" altLang="en-US" smtClean="0"/>
+              <a:rPr lang="ko-KR" altLang="en-US"/>
               <a:t>넷째 수준</a:t>
             </a:r>
           </a:p>
           <a:p>
             <a:pPr lvl="4"/>
             <a:r>
-              <a:rPr lang="ko-KR" altLang="en-US" smtClean="0"/>
+              <a:rPr lang="ko-KR" altLang="en-US"/>
               <a:t>다섯째 수준</a:t>
             </a:r>
-            <a:endParaRPr lang="ko-KR" altLang="en-US"/>
           </a:p>
         </p:txBody>
       </p:sp>
@@ -593,7 +595,7 @@
           <a:p>
             <a:fld id="{088498B5-61CB-4D33-9D13-11B461C68DAA}" type="datetimeFigureOut">
               <a:rPr lang="ko-KR" altLang="en-US" smtClean="0"/>
-              <a:t>2025-06-13</a:t>
+              <a:t>2025-06-15</a:t>
             </a:fld>
             <a:endParaRPr lang="ko-KR" altLang="en-US"/>
           </a:p>
@@ -687,10 +689,9 @@
           <a:lstStyle/>
           <a:p>
             <a:r>
-              <a:rPr lang="ko-KR" altLang="en-US" smtClean="0"/>
+              <a:rPr lang="ko-KR" altLang="en-US"/>
               <a:t>마스터 제목 스타일 편집</a:t>
             </a:r>
-            <a:endParaRPr lang="ko-KR" altLang="en-US"/>
           </a:p>
         </p:txBody>
       </p:sp>
@@ -711,38 +712,37 @@
           <a:p>
             <a:pPr lvl="0"/>
             <a:r>
-              <a:rPr lang="ko-KR" altLang="en-US" smtClean="0"/>
+              <a:rPr lang="ko-KR" altLang="en-US"/>
               <a:t>마스터 텍스트 스타일 편집</a:t>
             </a:r>
           </a:p>
           <a:p>
             <a:pPr lvl="1"/>
             <a:r>
-              <a:rPr lang="ko-KR" altLang="en-US" smtClean="0"/>
+              <a:rPr lang="ko-KR" altLang="en-US"/>
               <a:t>둘째 수준</a:t>
             </a:r>
           </a:p>
           <a:p>
             <a:pPr lvl="2"/>
             <a:r>
-              <a:rPr lang="ko-KR" altLang="en-US" smtClean="0"/>
+              <a:rPr lang="ko-KR" altLang="en-US"/>
               <a:t>셋째 수준</a:t>
             </a:r>
           </a:p>
           <a:p>
             <a:pPr lvl="3"/>
             <a:r>
-              <a:rPr lang="ko-KR" altLang="en-US" smtClean="0"/>
+              <a:rPr lang="ko-KR" altLang="en-US"/>
               <a:t>넷째 수준</a:t>
             </a:r>
           </a:p>
           <a:p>
             <a:pPr lvl="4"/>
             <a:r>
-              <a:rPr lang="ko-KR" altLang="en-US" smtClean="0"/>
+              <a:rPr lang="ko-KR" altLang="en-US"/>
               <a:t>다섯째 수준</a:t>
             </a:r>
-            <a:endParaRPr lang="ko-KR" altLang="en-US"/>
           </a:p>
         </p:txBody>
       </p:sp>
@@ -763,7 +763,7 @@
           <a:p>
             <a:fld id="{088498B5-61CB-4D33-9D13-11B461C68DAA}" type="datetimeFigureOut">
               <a:rPr lang="ko-KR" altLang="en-US" smtClean="0"/>
-              <a:t>2025-06-13</a:t>
+              <a:t>2025-06-15</a:t>
             </a:fld>
             <a:endParaRPr lang="ko-KR" altLang="en-US"/>
           </a:p>
@@ -866,10 +866,9 @@
           </a:lstStyle>
           <a:p>
             <a:r>
-              <a:rPr lang="ko-KR" altLang="en-US" smtClean="0"/>
+              <a:rPr lang="ko-KR" altLang="en-US"/>
               <a:t>마스터 제목 스타일 편집</a:t>
             </a:r>
-            <a:endParaRPr lang="ko-KR" altLang="en-US"/>
           </a:p>
         </p:txBody>
       </p:sp>
@@ -986,7 +985,7 @@
           <a:p>
             <a:pPr lvl="0"/>
             <a:r>
-              <a:rPr lang="ko-KR" altLang="en-US" smtClean="0"/>
+              <a:rPr lang="ko-KR" altLang="en-US"/>
               <a:t>마스터 텍스트 스타일 편집</a:t>
             </a:r>
           </a:p>
@@ -1009,7 +1008,7 @@
           <a:p>
             <a:fld id="{088498B5-61CB-4D33-9D13-11B461C68DAA}" type="datetimeFigureOut">
               <a:rPr lang="ko-KR" altLang="en-US" smtClean="0"/>
-              <a:t>2025-06-13</a:t>
+              <a:t>2025-06-15</a:t>
             </a:fld>
             <a:endParaRPr lang="ko-KR" altLang="en-US"/>
           </a:p>
@@ -1103,10 +1102,9 @@
           <a:lstStyle/>
           <a:p>
             <a:r>
-              <a:rPr lang="ko-KR" altLang="en-US" smtClean="0"/>
+              <a:rPr lang="ko-KR" altLang="en-US"/>
               <a:t>마스터 제목 스타일 편집</a:t>
             </a:r>
-            <a:endParaRPr lang="ko-KR" altLang="en-US"/>
           </a:p>
         </p:txBody>
       </p:sp>
@@ -1132,38 +1130,37 @@
           <a:p>
             <a:pPr lvl="0"/>
             <a:r>
-              <a:rPr lang="ko-KR" altLang="en-US" smtClean="0"/>
+              <a:rPr lang="ko-KR" altLang="en-US"/>
               <a:t>마스터 텍스트 스타일 편집</a:t>
             </a:r>
           </a:p>
           <a:p>
             <a:pPr lvl="1"/>
             <a:r>
-              <a:rPr lang="ko-KR" altLang="en-US" smtClean="0"/>
+              <a:rPr lang="ko-KR" altLang="en-US"/>
               <a:t>둘째 수준</a:t>
             </a:r>
           </a:p>
           <a:p>
             <a:pPr lvl="2"/>
             <a:r>
-              <a:rPr lang="ko-KR" altLang="en-US" smtClean="0"/>
+              <a:rPr lang="ko-KR" altLang="en-US"/>
               <a:t>셋째 수준</a:t>
             </a:r>
           </a:p>
           <a:p>
             <a:pPr lvl="3"/>
             <a:r>
-              <a:rPr lang="ko-KR" altLang="en-US" smtClean="0"/>
+              <a:rPr lang="ko-KR" altLang="en-US"/>
               <a:t>넷째 수준</a:t>
             </a:r>
           </a:p>
           <a:p>
             <a:pPr lvl="4"/>
             <a:r>
-              <a:rPr lang="ko-KR" altLang="en-US" smtClean="0"/>
+              <a:rPr lang="ko-KR" altLang="en-US"/>
               <a:t>다섯째 수준</a:t>
             </a:r>
-            <a:endParaRPr lang="ko-KR" altLang="en-US"/>
           </a:p>
         </p:txBody>
       </p:sp>
@@ -1189,38 +1186,37 @@
           <a:p>
             <a:pPr lvl="0"/>
             <a:r>
-              <a:rPr lang="ko-KR" altLang="en-US" smtClean="0"/>
+              <a:rPr lang="ko-KR" altLang="en-US"/>
               <a:t>마스터 텍스트 스타일 편집</a:t>
             </a:r>
           </a:p>
           <a:p>
             <a:pPr lvl="1"/>
             <a:r>
-              <a:rPr lang="ko-KR" altLang="en-US" smtClean="0"/>
+              <a:rPr lang="ko-KR" altLang="en-US"/>
               <a:t>둘째 수준</a:t>
             </a:r>
           </a:p>
           <a:p>
             <a:pPr lvl="2"/>
             <a:r>
-              <a:rPr lang="ko-KR" altLang="en-US" smtClean="0"/>
+              <a:rPr lang="ko-KR" altLang="en-US"/>
               <a:t>셋째 수준</a:t>
             </a:r>
           </a:p>
           <a:p>
             <a:pPr lvl="3"/>
             <a:r>
-              <a:rPr lang="ko-KR" altLang="en-US" smtClean="0"/>
+              <a:rPr lang="ko-KR" altLang="en-US"/>
               <a:t>넷째 수준</a:t>
             </a:r>
           </a:p>
           <a:p>
             <a:pPr lvl="4"/>
             <a:r>
-              <a:rPr lang="ko-KR" altLang="en-US" smtClean="0"/>
+              <a:rPr lang="ko-KR" altLang="en-US"/>
               <a:t>다섯째 수준</a:t>
             </a:r>
-            <a:endParaRPr lang="ko-KR" altLang="en-US"/>
           </a:p>
         </p:txBody>
       </p:sp>
@@ -1241,7 +1237,7 @@
           <a:p>
             <a:fld id="{088498B5-61CB-4D33-9D13-11B461C68DAA}" type="datetimeFigureOut">
               <a:rPr lang="ko-KR" altLang="en-US" smtClean="0"/>
-              <a:t>2025-06-13</a:t>
+              <a:t>2025-06-15</a:t>
             </a:fld>
             <a:endParaRPr lang="ko-KR" altLang="en-US"/>
           </a:p>
@@ -1340,10 +1336,9 @@
           <a:lstStyle/>
           <a:p>
             <a:r>
-              <a:rPr lang="ko-KR" altLang="en-US" smtClean="0"/>
+              <a:rPr lang="ko-KR" altLang="en-US"/>
               <a:t>마스터 제목 스타일 편집</a:t>
             </a:r>
-            <a:endParaRPr lang="ko-KR" altLang="en-US"/>
           </a:p>
         </p:txBody>
       </p:sp>
@@ -1406,7 +1401,7 @@
           <a:p>
             <a:pPr lvl="0"/>
             <a:r>
-              <a:rPr lang="ko-KR" altLang="en-US" smtClean="0"/>
+              <a:rPr lang="ko-KR" altLang="en-US"/>
               <a:t>마스터 텍스트 스타일 편집</a:t>
             </a:r>
           </a:p>
@@ -1434,38 +1429,37 @@
           <a:p>
             <a:pPr lvl="0"/>
             <a:r>
-              <a:rPr lang="ko-KR" altLang="en-US" smtClean="0"/>
+              <a:rPr lang="ko-KR" altLang="en-US"/>
               <a:t>마스터 텍스트 스타일 편집</a:t>
             </a:r>
           </a:p>
           <a:p>
             <a:pPr lvl="1"/>
             <a:r>
-              <a:rPr lang="ko-KR" altLang="en-US" smtClean="0"/>
+              <a:rPr lang="ko-KR" altLang="en-US"/>
               <a:t>둘째 수준</a:t>
             </a:r>
           </a:p>
           <a:p>
             <a:pPr lvl="2"/>
             <a:r>
-              <a:rPr lang="ko-KR" altLang="en-US" smtClean="0"/>
+              <a:rPr lang="ko-KR" altLang="en-US"/>
               <a:t>셋째 수준</a:t>
             </a:r>
           </a:p>
           <a:p>
             <a:pPr lvl="3"/>
             <a:r>
-              <a:rPr lang="ko-KR" altLang="en-US" smtClean="0"/>
+              <a:rPr lang="ko-KR" altLang="en-US"/>
               <a:t>넷째 수준</a:t>
             </a:r>
           </a:p>
           <a:p>
             <a:pPr lvl="4"/>
             <a:r>
-              <a:rPr lang="ko-KR" altLang="en-US" smtClean="0"/>
+              <a:rPr lang="ko-KR" altLang="en-US"/>
               <a:t>다섯째 수준</a:t>
             </a:r>
-            <a:endParaRPr lang="ko-KR" altLang="en-US"/>
           </a:p>
         </p:txBody>
       </p:sp>
@@ -1528,7 +1522,7 @@
           <a:p>
             <a:pPr lvl="0"/>
             <a:r>
-              <a:rPr lang="ko-KR" altLang="en-US" smtClean="0"/>
+              <a:rPr lang="ko-KR" altLang="en-US"/>
               <a:t>마스터 텍스트 스타일 편집</a:t>
             </a:r>
           </a:p>
@@ -1556,38 +1550,37 @@
           <a:p>
             <a:pPr lvl="0"/>
             <a:r>
-              <a:rPr lang="ko-KR" altLang="en-US" smtClean="0"/>
+              <a:rPr lang="ko-KR" altLang="en-US"/>
               <a:t>마스터 텍스트 스타일 편집</a:t>
             </a:r>
           </a:p>
           <a:p>
             <a:pPr lvl="1"/>
             <a:r>
-              <a:rPr lang="ko-KR" altLang="en-US" smtClean="0"/>
+              <a:rPr lang="ko-KR" altLang="en-US"/>
               <a:t>둘째 수준</a:t>
             </a:r>
           </a:p>
           <a:p>
             <a:pPr lvl="2"/>
             <a:r>
-              <a:rPr lang="ko-KR" altLang="en-US" smtClean="0"/>
+              <a:rPr lang="ko-KR" altLang="en-US"/>
               <a:t>셋째 수준</a:t>
             </a:r>
           </a:p>
           <a:p>
             <a:pPr lvl="3"/>
             <a:r>
-              <a:rPr lang="ko-KR" altLang="en-US" smtClean="0"/>
+              <a:rPr lang="ko-KR" altLang="en-US"/>
               <a:t>넷째 수준</a:t>
             </a:r>
           </a:p>
           <a:p>
             <a:pPr lvl="4"/>
             <a:r>
-              <a:rPr lang="ko-KR" altLang="en-US" smtClean="0"/>
+              <a:rPr lang="ko-KR" altLang="en-US"/>
               <a:t>다섯째 수준</a:t>
             </a:r>
-            <a:endParaRPr lang="ko-KR" altLang="en-US"/>
           </a:p>
         </p:txBody>
       </p:sp>
@@ -1608,7 +1601,7 @@
           <a:p>
             <a:fld id="{088498B5-61CB-4D33-9D13-11B461C68DAA}" type="datetimeFigureOut">
               <a:rPr lang="ko-KR" altLang="en-US" smtClean="0"/>
-              <a:t>2025-06-13</a:t>
+              <a:t>2025-06-15</a:t>
             </a:fld>
             <a:endParaRPr lang="ko-KR" altLang="en-US"/>
           </a:p>
@@ -1702,10 +1695,9 @@
           <a:lstStyle/>
           <a:p>
             <a:r>
-              <a:rPr lang="ko-KR" altLang="en-US" smtClean="0"/>
+              <a:rPr lang="ko-KR" altLang="en-US"/>
               <a:t>마스터 제목 스타일 편집</a:t>
             </a:r>
-            <a:endParaRPr lang="ko-KR" altLang="en-US"/>
           </a:p>
         </p:txBody>
       </p:sp>
@@ -1726,7 +1718,7 @@
           <a:p>
             <a:fld id="{088498B5-61CB-4D33-9D13-11B461C68DAA}" type="datetimeFigureOut">
               <a:rPr lang="ko-KR" altLang="en-US" smtClean="0"/>
-              <a:t>2025-06-13</a:t>
+              <a:t>2025-06-15</a:t>
             </a:fld>
             <a:endParaRPr lang="ko-KR" altLang="en-US"/>
           </a:p>
@@ -1821,7 +1813,7 @@
           <a:p>
             <a:fld id="{088498B5-61CB-4D33-9D13-11B461C68DAA}" type="datetimeFigureOut">
               <a:rPr lang="ko-KR" altLang="en-US" smtClean="0"/>
-              <a:t>2025-06-13</a:t>
+              <a:t>2025-06-15</a:t>
             </a:fld>
             <a:endParaRPr lang="ko-KR" altLang="en-US"/>
           </a:p>
@@ -1924,10 +1916,9 @@
           </a:lstStyle>
           <a:p>
             <a:r>
-              <a:rPr lang="ko-KR" altLang="en-US" smtClean="0"/>
+              <a:rPr lang="ko-KR" altLang="en-US"/>
               <a:t>마스터 제목 스타일 편집</a:t>
             </a:r>
-            <a:endParaRPr lang="ko-KR" altLang="en-US"/>
           </a:p>
         </p:txBody>
       </p:sp>
@@ -1981,38 +1972,37 @@
           <a:p>
             <a:pPr lvl="0"/>
             <a:r>
-              <a:rPr lang="ko-KR" altLang="en-US" smtClean="0"/>
+              <a:rPr lang="ko-KR" altLang="en-US"/>
               <a:t>마스터 텍스트 스타일 편집</a:t>
             </a:r>
           </a:p>
           <a:p>
             <a:pPr lvl="1"/>
             <a:r>
-              <a:rPr lang="ko-KR" altLang="en-US" smtClean="0"/>
+              <a:rPr lang="ko-KR" altLang="en-US"/>
               <a:t>둘째 수준</a:t>
             </a:r>
           </a:p>
           <a:p>
             <a:pPr lvl="2"/>
             <a:r>
-              <a:rPr lang="ko-KR" altLang="en-US" smtClean="0"/>
+              <a:rPr lang="ko-KR" altLang="en-US"/>
               <a:t>셋째 수준</a:t>
             </a:r>
           </a:p>
           <a:p>
             <a:pPr lvl="3"/>
             <a:r>
-              <a:rPr lang="ko-KR" altLang="en-US" smtClean="0"/>
+              <a:rPr lang="ko-KR" altLang="en-US"/>
               <a:t>넷째 수준</a:t>
             </a:r>
           </a:p>
           <a:p>
             <a:pPr lvl="4"/>
             <a:r>
-              <a:rPr lang="ko-KR" altLang="en-US" smtClean="0"/>
+              <a:rPr lang="ko-KR" altLang="en-US"/>
               <a:t>다섯째 수준</a:t>
             </a:r>
-            <a:endParaRPr lang="ko-KR" altLang="en-US"/>
           </a:p>
         </p:txBody>
       </p:sp>
@@ -2075,7 +2065,7 @@
           <a:p>
             <a:pPr lvl="0"/>
             <a:r>
-              <a:rPr lang="ko-KR" altLang="en-US" smtClean="0"/>
+              <a:rPr lang="ko-KR" altLang="en-US"/>
               <a:t>마스터 텍스트 스타일 편집</a:t>
             </a:r>
           </a:p>
@@ -2098,7 +2088,7 @@
           <a:p>
             <a:fld id="{088498B5-61CB-4D33-9D13-11B461C68DAA}" type="datetimeFigureOut">
               <a:rPr lang="ko-KR" altLang="en-US" smtClean="0"/>
-              <a:t>2025-06-13</a:t>
+              <a:t>2025-06-15</a:t>
             </a:fld>
             <a:endParaRPr lang="ko-KR" altLang="en-US"/>
           </a:p>
@@ -2201,10 +2191,9 @@
           </a:lstStyle>
           <a:p>
             <a:r>
-              <a:rPr lang="ko-KR" altLang="en-US" smtClean="0"/>
+              <a:rPr lang="ko-KR" altLang="en-US"/>
               <a:t>마스터 제목 스타일 편집</a:t>
             </a:r>
-            <a:endParaRPr lang="ko-KR" altLang="en-US"/>
           </a:p>
         </p:txBody>
       </p:sp>
@@ -2328,7 +2317,7 @@
           <a:p>
             <a:pPr lvl="0"/>
             <a:r>
-              <a:rPr lang="ko-KR" altLang="en-US" smtClean="0"/>
+              <a:rPr lang="ko-KR" altLang="en-US"/>
               <a:t>마스터 텍스트 스타일 편집</a:t>
             </a:r>
           </a:p>
@@ -2351,7 +2340,7 @@
           <a:p>
             <a:fld id="{088498B5-61CB-4D33-9D13-11B461C68DAA}" type="datetimeFigureOut">
               <a:rPr lang="ko-KR" altLang="en-US" smtClean="0"/>
-              <a:t>2025-06-13</a:t>
+              <a:t>2025-06-15</a:t>
             </a:fld>
             <a:endParaRPr lang="ko-KR" altLang="en-US"/>
           </a:p>
@@ -2460,10 +2449,9 @@
           <a:lstStyle/>
           <a:p>
             <a:r>
-              <a:rPr lang="ko-KR" altLang="en-US" smtClean="0"/>
+              <a:rPr lang="ko-KR" altLang="en-US"/>
               <a:t>마스터 제목 스타일 편집</a:t>
             </a:r>
-            <a:endParaRPr lang="ko-KR" altLang="en-US"/>
           </a:p>
         </p:txBody>
       </p:sp>
@@ -2494,38 +2482,37 @@
           <a:p>
             <a:pPr lvl="0"/>
             <a:r>
-              <a:rPr lang="ko-KR" altLang="en-US" smtClean="0"/>
+              <a:rPr lang="ko-KR" altLang="en-US"/>
               <a:t>마스터 텍스트 스타일 편집</a:t>
             </a:r>
           </a:p>
           <a:p>
             <a:pPr lvl="1"/>
             <a:r>
-              <a:rPr lang="ko-KR" altLang="en-US" smtClean="0"/>
+              <a:rPr lang="ko-KR" altLang="en-US"/>
               <a:t>둘째 수준</a:t>
             </a:r>
           </a:p>
           <a:p>
             <a:pPr lvl="2"/>
             <a:r>
-              <a:rPr lang="ko-KR" altLang="en-US" smtClean="0"/>
+              <a:rPr lang="ko-KR" altLang="en-US"/>
               <a:t>셋째 수준</a:t>
             </a:r>
           </a:p>
           <a:p>
             <a:pPr lvl="3"/>
             <a:r>
-              <a:rPr lang="ko-KR" altLang="en-US" smtClean="0"/>
+              <a:rPr lang="ko-KR" altLang="en-US"/>
               <a:t>넷째 수준</a:t>
             </a:r>
           </a:p>
           <a:p>
             <a:pPr lvl="4"/>
             <a:r>
-              <a:rPr lang="ko-KR" altLang="en-US" smtClean="0"/>
+              <a:rPr lang="ko-KR" altLang="en-US"/>
               <a:t>다섯째 수준</a:t>
             </a:r>
-            <a:endParaRPr lang="ko-KR" altLang="en-US"/>
           </a:p>
         </p:txBody>
       </p:sp>
@@ -2564,7 +2551,7 @@
           <a:p>
             <a:fld id="{088498B5-61CB-4D33-9D13-11B461C68DAA}" type="datetimeFigureOut">
               <a:rPr lang="ko-KR" altLang="en-US" smtClean="0"/>
-              <a:t>2025-06-13</a:t>
+              <a:t>2025-06-15</a:t>
             </a:fld>
             <a:endParaRPr lang="ko-KR" altLang="en-US"/>
           </a:p>
@@ -2985,7 +2972,7 @@
           <a:lstStyle/>
           <a:p>
             <a:r>
-              <a:rPr lang="en-US" altLang="ko-KR" dirty="0" smtClean="0"/>
+              <a:rPr lang="en-US" altLang="ko-KR" dirty="0"/>
               <a:t>2025-06-13</a:t>
             </a:r>
             <a:endParaRPr lang="ko-KR" altLang="en-US" dirty="0"/>
@@ -3043,6 +3030,246 @@
       </p:grpSpPr>
       <p:sp>
         <p:nvSpPr>
+          <p:cNvPr id="2" name="제목 1">
+            <a:extLst>
+              <a:ext uri="{FF2B5EF4-FFF2-40B4-BE49-F238E27FC236}">
+                <a16:creationId xmlns:a16="http://schemas.microsoft.com/office/drawing/2014/main" id="{6FFB2921-2403-DBE0-B2C4-1D7E9BE5279F}"/>
+              </a:ext>
+            </a:extLst>
+          </p:cNvPr>
+          <p:cNvSpPr>
+            <a:spLocks noGrp="1"/>
+          </p:cNvSpPr>
+          <p:nvPr>
+            <p:ph type="title"/>
+          </p:nvPr>
+        </p:nvSpPr>
+        <p:spPr/>
+        <p:txBody>
+          <a:bodyPr/>
+          <a:lstStyle/>
+          <a:p>
+            <a:endParaRPr lang="ko-KR" altLang="en-US"/>
+          </a:p>
+        </p:txBody>
+      </p:sp>
+      <p:sp>
+        <p:nvSpPr>
+          <p:cNvPr id="3" name="내용 개체 틀 2">
+            <a:extLst>
+              <a:ext uri="{FF2B5EF4-FFF2-40B4-BE49-F238E27FC236}">
+                <a16:creationId xmlns:a16="http://schemas.microsoft.com/office/drawing/2014/main" id="{734BA7B8-C256-657C-3A59-A19DCA1AC8A7}"/>
+              </a:ext>
+            </a:extLst>
+          </p:cNvPr>
+          <p:cNvSpPr>
+            <a:spLocks noGrp="1"/>
+          </p:cNvSpPr>
+          <p:nvPr>
+            <p:ph idx="1"/>
+          </p:nvPr>
+        </p:nvSpPr>
+        <p:spPr/>
+        <p:txBody>
+          <a:bodyPr/>
+          <a:lstStyle/>
+          <a:p>
+            <a:endParaRPr lang="ko-KR" altLang="en-US"/>
+          </a:p>
+        </p:txBody>
+      </p:sp>
+    </p:spTree>
+    <p:extLst>
+      <p:ext uri="{BB962C8B-B14F-4D97-AF65-F5344CB8AC3E}">
+        <p14:creationId xmlns:p14="http://schemas.microsoft.com/office/powerpoint/2010/main" val="2191778789"/>
+      </p:ext>
+    </p:extLst>
+  </p:cSld>
+  <p:clrMapOvr>
+    <a:masterClrMapping/>
+  </p:clrMapOvr>
+</p:sld>
+</file>
+
+<file path=ppt/slides/slide3.xml><?xml version="1.0" encoding="utf-8"?>
+<p:sld xmlns:a="http://schemas.openxmlformats.org/drawingml/2006/main" xmlns:r="http://schemas.openxmlformats.org/officeDocument/2006/relationships" xmlns:p="http://schemas.openxmlformats.org/presentationml/2006/main">
+  <p:cSld>
+    <p:spTree>
+      <p:nvGrpSpPr>
+        <p:cNvPr id="1" name=""/>
+        <p:cNvGrpSpPr/>
+        <p:nvPr/>
+      </p:nvGrpSpPr>
+      <p:grpSpPr>
+        <a:xfrm>
+          <a:off x="0" y="0"/>
+          <a:ext cx="0" cy="0"/>
+          <a:chOff x="0" y="0"/>
+          <a:chExt cx="0" cy="0"/>
+        </a:xfrm>
+      </p:grpSpPr>
+      <p:sp>
+        <p:nvSpPr>
+          <p:cNvPr id="2" name="제목 1">
+            <a:extLst>
+              <a:ext uri="{FF2B5EF4-FFF2-40B4-BE49-F238E27FC236}">
+                <a16:creationId xmlns:a16="http://schemas.microsoft.com/office/drawing/2014/main" id="{0EE89004-4F2A-B8AC-A1D3-A45A29CB7D66}"/>
+              </a:ext>
+            </a:extLst>
+          </p:cNvPr>
+          <p:cNvSpPr>
+            <a:spLocks noGrp="1"/>
+          </p:cNvSpPr>
+          <p:nvPr>
+            <p:ph type="title"/>
+          </p:nvPr>
+        </p:nvSpPr>
+        <p:spPr/>
+        <p:txBody>
+          <a:bodyPr/>
+          <a:lstStyle/>
+          <a:p>
+            <a:endParaRPr lang="ko-KR" altLang="en-US"/>
+          </a:p>
+        </p:txBody>
+      </p:sp>
+      <p:sp>
+        <p:nvSpPr>
+          <p:cNvPr id="3" name="내용 개체 틀 2">
+            <a:extLst>
+              <a:ext uri="{FF2B5EF4-FFF2-40B4-BE49-F238E27FC236}">
+                <a16:creationId xmlns:a16="http://schemas.microsoft.com/office/drawing/2014/main" id="{39F1ADE9-9E8A-4C04-9696-49C358CFDCF8}"/>
+              </a:ext>
+            </a:extLst>
+          </p:cNvPr>
+          <p:cNvSpPr>
+            <a:spLocks noGrp="1"/>
+          </p:cNvSpPr>
+          <p:nvPr>
+            <p:ph idx="1"/>
+          </p:nvPr>
+        </p:nvSpPr>
+        <p:spPr/>
+        <p:txBody>
+          <a:bodyPr/>
+          <a:lstStyle/>
+          <a:p>
+            <a:endParaRPr lang="ko-KR" altLang="en-US"/>
+          </a:p>
+        </p:txBody>
+      </p:sp>
+    </p:spTree>
+    <p:extLst>
+      <p:ext uri="{BB962C8B-B14F-4D97-AF65-F5344CB8AC3E}">
+        <p14:creationId xmlns:p14="http://schemas.microsoft.com/office/powerpoint/2010/main" val="2513305449"/>
+      </p:ext>
+    </p:extLst>
+  </p:cSld>
+  <p:clrMapOvr>
+    <a:masterClrMapping/>
+  </p:clrMapOvr>
+</p:sld>
+</file>
+
+<file path=ppt/slides/slide4.xml><?xml version="1.0" encoding="utf-8"?>
+<p:sld xmlns:a="http://schemas.openxmlformats.org/drawingml/2006/main" xmlns:r="http://schemas.openxmlformats.org/officeDocument/2006/relationships" xmlns:p="http://schemas.openxmlformats.org/presentationml/2006/main">
+  <p:cSld>
+    <p:spTree>
+      <p:nvGrpSpPr>
+        <p:cNvPr id="1" name=""/>
+        <p:cNvGrpSpPr/>
+        <p:nvPr/>
+      </p:nvGrpSpPr>
+      <p:grpSpPr>
+        <a:xfrm>
+          <a:off x="0" y="0"/>
+          <a:ext cx="0" cy="0"/>
+          <a:chOff x="0" y="0"/>
+          <a:chExt cx="0" cy="0"/>
+        </a:xfrm>
+      </p:grpSpPr>
+      <p:sp>
+        <p:nvSpPr>
+          <p:cNvPr id="2" name="제목 1">
+            <a:extLst>
+              <a:ext uri="{FF2B5EF4-FFF2-40B4-BE49-F238E27FC236}">
+                <a16:creationId xmlns:a16="http://schemas.microsoft.com/office/drawing/2014/main" id="{33CEF3DE-50AC-AF66-8256-754D24441963}"/>
+              </a:ext>
+            </a:extLst>
+          </p:cNvPr>
+          <p:cNvSpPr>
+            <a:spLocks noGrp="1"/>
+          </p:cNvSpPr>
+          <p:nvPr>
+            <p:ph type="title"/>
+          </p:nvPr>
+        </p:nvSpPr>
+        <p:spPr/>
+        <p:txBody>
+          <a:bodyPr/>
+          <a:lstStyle/>
+          <a:p>
+            <a:endParaRPr lang="ko-KR" altLang="en-US"/>
+          </a:p>
+        </p:txBody>
+      </p:sp>
+      <p:sp>
+        <p:nvSpPr>
+          <p:cNvPr id="3" name="내용 개체 틀 2">
+            <a:extLst>
+              <a:ext uri="{FF2B5EF4-FFF2-40B4-BE49-F238E27FC236}">
+                <a16:creationId xmlns:a16="http://schemas.microsoft.com/office/drawing/2014/main" id="{D40D8EA0-854A-F593-9D4B-70BED1C4BE5A}"/>
+              </a:ext>
+            </a:extLst>
+          </p:cNvPr>
+          <p:cNvSpPr>
+            <a:spLocks noGrp="1"/>
+          </p:cNvSpPr>
+          <p:nvPr>
+            <p:ph idx="1"/>
+          </p:nvPr>
+        </p:nvSpPr>
+        <p:spPr/>
+        <p:txBody>
+          <a:bodyPr/>
+          <a:lstStyle/>
+          <a:p>
+            <a:endParaRPr lang="ko-KR" altLang="en-US"/>
+          </a:p>
+        </p:txBody>
+      </p:sp>
+    </p:spTree>
+    <p:extLst>
+      <p:ext uri="{BB962C8B-B14F-4D97-AF65-F5344CB8AC3E}">
+        <p14:creationId xmlns:p14="http://schemas.microsoft.com/office/powerpoint/2010/main" val="3869624506"/>
+      </p:ext>
+    </p:extLst>
+  </p:cSld>
+  <p:clrMapOvr>
+    <a:masterClrMapping/>
+  </p:clrMapOvr>
+</p:sld>
+</file>
+
+<file path=ppt/slides/slide5.xml><?xml version="1.0" encoding="utf-8"?>
+<p:sld xmlns:a="http://schemas.openxmlformats.org/drawingml/2006/main" xmlns:r="http://schemas.openxmlformats.org/officeDocument/2006/relationships" xmlns:p="http://schemas.openxmlformats.org/presentationml/2006/main">
+  <p:cSld>
+    <p:spTree>
+      <p:nvGrpSpPr>
+        <p:cNvPr id="1" name=""/>
+        <p:cNvGrpSpPr/>
+        <p:nvPr/>
+      </p:nvGrpSpPr>
+      <p:grpSpPr>
+        <a:xfrm>
+          <a:off x="0" y="0"/>
+          <a:ext cx="0" cy="0"/>
+          <a:chOff x="0" y="0"/>
+          <a:chExt cx="0" cy="0"/>
+        </a:xfrm>
+      </p:grpSpPr>
+      <p:sp>
+        <p:nvSpPr>
           <p:cNvPr id="2" name="제목 1"/>
           <p:cNvSpPr>
             <a:spLocks noGrp="1"/>
@@ -3099,7 +3326,7 @@
 </p:sld>
 </file>
 
-<file path=ppt/slides/slide3.xml><?xml version="1.0" encoding="utf-8"?>
+<file path=ppt/slides/slide6.xml><?xml version="1.0" encoding="utf-8"?>
 <p:sld xmlns:a="http://schemas.openxmlformats.org/drawingml/2006/main" xmlns:r="http://schemas.openxmlformats.org/officeDocument/2006/relationships" xmlns:p="http://schemas.openxmlformats.org/presentationml/2006/main">
   <p:cSld>
     <p:spTree>
@@ -3174,7 +3401,7 @@
 </p:sld>
 </file>
 
-<file path=ppt/slides/slide4.xml><?xml version="1.0" encoding="utf-8"?>
+<file path=ppt/slides/slide7.xml><?xml version="1.0" encoding="utf-8"?>
 <p:sld xmlns:a="http://schemas.openxmlformats.org/drawingml/2006/main" xmlns:r="http://schemas.openxmlformats.org/officeDocument/2006/relationships" xmlns:p="http://schemas.openxmlformats.org/presentationml/2006/main">
   <p:cSld>
     <p:spTree>
@@ -3249,7 +3476,7 @@
 </p:sld>
 </file>
 
-<file path=ppt/slides/slide5.xml><?xml version="1.0" encoding="utf-8"?>
+<file path=ppt/slides/slide8.xml><?xml version="1.0" encoding="utf-8"?>
 <p:sld xmlns:a="http://schemas.openxmlformats.org/drawingml/2006/main" xmlns:r="http://schemas.openxmlformats.org/officeDocument/2006/relationships" xmlns:p="http://schemas.openxmlformats.org/presentationml/2006/main">
   <p:cSld>
     <p:spTree>
@@ -3317,7 +3544,7 @@
 </p:sld>
 </file>
 
-<file path=ppt/slides/slide6.xml><?xml version="1.0" encoding="utf-8"?>
+<file path=ppt/slides/slide9.xml><?xml version="1.0" encoding="utf-8"?>
 <p:sld xmlns:a="http://schemas.openxmlformats.org/drawingml/2006/main" xmlns:r="http://schemas.openxmlformats.org/officeDocument/2006/relationships" xmlns:p="http://schemas.openxmlformats.org/presentationml/2006/main">
   <p:cSld>
     <p:spTree>
